--- a/gRPC 개념 및 사용성.pptx
+++ b/gRPC 개념 및 사용성.pptx
@@ -15,6 +15,7 @@
     <p:sldId id="263" r:id="rId9"/>
     <p:sldId id="264" r:id="rId10"/>
     <p:sldId id="265" r:id="rId11"/>
+    <p:sldId id="266" r:id="rId12"/>
   </p:sldIdLst>
   <p:sldSz cx="12192000" cy="6858000"/>
   <p:notesSz cx="6858000" cy="9144000"/>
@@ -252,7 +253,7 @@
           <a:p>
             <a:fld id="{85EA6FF4-1101-425A-B5CE-97017B8B8EF6}" type="datetimeFigureOut">
               <a:rPr lang="ko-KR" altLang="en-US" smtClean="0"/>
-              <a:t>2021-12-01</a:t>
+              <a:t>2023-07-20</a:t>
             </a:fld>
             <a:endParaRPr lang="ko-KR" altLang="en-US"/>
           </a:p>
@@ -422,7 +423,7 @@
           <a:p>
             <a:fld id="{85EA6FF4-1101-425A-B5CE-97017B8B8EF6}" type="datetimeFigureOut">
               <a:rPr lang="ko-KR" altLang="en-US" smtClean="0"/>
-              <a:t>2021-12-01</a:t>
+              <a:t>2023-07-20</a:t>
             </a:fld>
             <a:endParaRPr lang="ko-KR" altLang="en-US"/>
           </a:p>
@@ -602,7 +603,7 @@
           <a:p>
             <a:fld id="{85EA6FF4-1101-425A-B5CE-97017B8B8EF6}" type="datetimeFigureOut">
               <a:rPr lang="ko-KR" altLang="en-US" smtClean="0"/>
-              <a:t>2021-12-01</a:t>
+              <a:t>2023-07-20</a:t>
             </a:fld>
             <a:endParaRPr lang="ko-KR" altLang="en-US"/>
           </a:p>
@@ -772,7 +773,7 @@
           <a:p>
             <a:fld id="{85EA6FF4-1101-425A-B5CE-97017B8B8EF6}" type="datetimeFigureOut">
               <a:rPr lang="ko-KR" altLang="en-US" smtClean="0"/>
-              <a:t>2021-12-01</a:t>
+              <a:t>2023-07-20</a:t>
             </a:fld>
             <a:endParaRPr lang="ko-KR" altLang="en-US"/>
           </a:p>
@@ -1018,7 +1019,7 @@
           <a:p>
             <a:fld id="{85EA6FF4-1101-425A-B5CE-97017B8B8EF6}" type="datetimeFigureOut">
               <a:rPr lang="ko-KR" altLang="en-US" smtClean="0"/>
-              <a:t>2021-12-01</a:t>
+              <a:t>2023-07-20</a:t>
             </a:fld>
             <a:endParaRPr lang="ko-KR" altLang="en-US"/>
           </a:p>
@@ -1250,7 +1251,7 @@
           <a:p>
             <a:fld id="{85EA6FF4-1101-425A-B5CE-97017B8B8EF6}" type="datetimeFigureOut">
               <a:rPr lang="ko-KR" altLang="en-US" smtClean="0"/>
-              <a:t>2021-12-01</a:t>
+              <a:t>2023-07-20</a:t>
             </a:fld>
             <a:endParaRPr lang="ko-KR" altLang="en-US"/>
           </a:p>
@@ -1617,7 +1618,7 @@
           <a:p>
             <a:fld id="{85EA6FF4-1101-425A-B5CE-97017B8B8EF6}" type="datetimeFigureOut">
               <a:rPr lang="ko-KR" altLang="en-US" smtClean="0"/>
-              <a:t>2021-12-01</a:t>
+              <a:t>2023-07-20</a:t>
             </a:fld>
             <a:endParaRPr lang="ko-KR" altLang="en-US"/>
           </a:p>
@@ -1735,7 +1736,7 @@
           <a:p>
             <a:fld id="{85EA6FF4-1101-425A-B5CE-97017B8B8EF6}" type="datetimeFigureOut">
               <a:rPr lang="ko-KR" altLang="en-US" smtClean="0"/>
-              <a:t>2021-12-01</a:t>
+              <a:t>2023-07-20</a:t>
             </a:fld>
             <a:endParaRPr lang="ko-KR" altLang="en-US"/>
           </a:p>
@@ -1830,7 +1831,7 @@
           <a:p>
             <a:fld id="{85EA6FF4-1101-425A-B5CE-97017B8B8EF6}" type="datetimeFigureOut">
               <a:rPr lang="ko-KR" altLang="en-US" smtClean="0"/>
-              <a:t>2021-12-01</a:t>
+              <a:t>2023-07-20</a:t>
             </a:fld>
             <a:endParaRPr lang="ko-KR" altLang="en-US"/>
           </a:p>
@@ -2107,7 +2108,7 @@
           <a:p>
             <a:fld id="{85EA6FF4-1101-425A-B5CE-97017B8B8EF6}" type="datetimeFigureOut">
               <a:rPr lang="ko-KR" altLang="en-US" smtClean="0"/>
-              <a:t>2021-12-01</a:t>
+              <a:t>2023-07-20</a:t>
             </a:fld>
             <a:endParaRPr lang="ko-KR" altLang="en-US"/>
           </a:p>
@@ -2360,7 +2361,7 @@
           <a:p>
             <a:fld id="{85EA6FF4-1101-425A-B5CE-97017B8B8EF6}" type="datetimeFigureOut">
               <a:rPr lang="ko-KR" altLang="en-US" smtClean="0"/>
-              <a:t>2021-12-01</a:t>
+              <a:t>2023-07-20</a:t>
             </a:fld>
             <a:endParaRPr lang="ko-KR" altLang="en-US"/>
           </a:p>
@@ -2573,7 +2574,7 @@
           <a:p>
             <a:fld id="{85EA6FF4-1101-425A-B5CE-97017B8B8EF6}" type="datetimeFigureOut">
               <a:rPr lang="ko-KR" altLang="en-US" smtClean="0"/>
-              <a:t>2021-12-01</a:t>
+              <a:t>2023-07-20</a:t>
             </a:fld>
             <a:endParaRPr lang="ko-KR" altLang="en-US"/>
           </a:p>
@@ -4607,6 +4608,1426 @@
 </p:sld>
 </file>
 
+<file path=ppt/slides/slide11.xml><?xml version="1.0" encoding="utf-8"?>
+<p:sld xmlns:a="http://schemas.openxmlformats.org/drawingml/2006/main" xmlns:r="http://schemas.openxmlformats.org/officeDocument/2006/relationships" xmlns:p="http://schemas.openxmlformats.org/presentationml/2006/main">
+  <p:cSld>
+    <p:spTree>
+      <p:nvGrpSpPr>
+        <p:cNvPr id="1" name=""/>
+        <p:cNvGrpSpPr/>
+        <p:nvPr/>
+      </p:nvGrpSpPr>
+      <p:grpSpPr>
+        <a:xfrm>
+          <a:off x="0" y="0"/>
+          <a:ext cx="0" cy="0"/>
+          <a:chOff x="0" y="0"/>
+          <a:chExt cx="0" cy="0"/>
+        </a:xfrm>
+      </p:grpSpPr>
+      <p:sp>
+        <p:nvSpPr>
+          <p:cNvPr id="4" name="직사각형 3"/>
+          <p:cNvSpPr/>
+          <p:nvPr/>
+        </p:nvSpPr>
+        <p:spPr>
+          <a:xfrm>
+            <a:off x="1985170" y="1794952"/>
+            <a:ext cx="1980001" cy="2167247"/>
+          </a:xfrm>
+          <a:prstGeom prst="rect">
+            <a:avLst/>
+          </a:prstGeom>
+          <a:solidFill>
+            <a:schemeClr val="bg1"/>
+          </a:solidFill>
+          <a:ln>
+            <a:solidFill>
+              <a:schemeClr val="bg1">
+                <a:lumMod val="65000"/>
+              </a:schemeClr>
+            </a:solidFill>
+          </a:ln>
+        </p:spPr>
+        <p:style>
+          <a:lnRef idx="2">
+            <a:schemeClr val="accent1">
+              <a:shade val="50000"/>
+            </a:schemeClr>
+          </a:lnRef>
+          <a:fillRef idx="1">
+            <a:schemeClr val="accent1"/>
+          </a:fillRef>
+          <a:effectRef idx="0">
+            <a:schemeClr val="accent1"/>
+          </a:effectRef>
+          <a:fontRef idx="minor">
+            <a:schemeClr val="lt1"/>
+          </a:fontRef>
+        </p:style>
+        <p:txBody>
+          <a:bodyPr rot="0" spcFirstLastPara="0" vertOverflow="overflow" horzOverflow="overflow" vert="horz" wrap="square" lIns="91440" tIns="45723" rIns="91440" bIns="45723" numCol="1" spcCol="0" rtlCol="0" fromWordArt="0" anchor="ctr" anchorCtr="0" forceAA="0" compatLnSpc="1">
+            <a:prstTxWarp prst="textNoShape">
+              <a:avLst/>
+            </a:prstTxWarp>
+            <a:noAutofit/>
+          </a:bodyPr>
+          <a:lstStyle/>
+          <a:p>
+            <a:pPr algn="ctr"/>
+            <a:endParaRPr lang="ko-KR" altLang="en-US" sz="1801"/>
+          </a:p>
+        </p:txBody>
+      </p:sp>
+      <p:sp>
+        <p:nvSpPr>
+          <p:cNvPr id="5" name="TextBox 4"/>
+          <p:cNvSpPr txBox="1"/>
+          <p:nvPr/>
+        </p:nvSpPr>
+        <p:spPr>
+          <a:xfrm>
+            <a:off x="2581127" y="1352024"/>
+            <a:ext cx="779381" cy="369460"/>
+          </a:xfrm>
+          <a:prstGeom prst="rect">
+            <a:avLst/>
+          </a:prstGeom>
+          <a:noFill/>
+        </p:spPr>
+        <p:txBody>
+          <a:bodyPr wrap="none" rtlCol="0">
+            <a:spAutoFit/>
+          </a:bodyPr>
+          <a:lstStyle/>
+          <a:p>
+            <a:r>
+              <a:rPr lang="en-US" altLang="ko-KR" sz="1801" dirty="0"/>
+              <a:t>Client</a:t>
+            </a:r>
+            <a:endParaRPr lang="ko-KR" altLang="en-US" sz="1801" dirty="0"/>
+          </a:p>
+        </p:txBody>
+      </p:sp>
+      <p:sp>
+        <p:nvSpPr>
+          <p:cNvPr id="6" name="직사각형 5"/>
+          <p:cNvSpPr/>
+          <p:nvPr/>
+        </p:nvSpPr>
+        <p:spPr>
+          <a:xfrm>
+            <a:off x="2170941" y="1946372"/>
+            <a:ext cx="1620001" cy="346363"/>
+          </a:xfrm>
+          <a:prstGeom prst="rect">
+            <a:avLst/>
+          </a:prstGeom>
+          <a:solidFill>
+            <a:schemeClr val="accent1">
+              <a:lumMod val="60000"/>
+              <a:lumOff val="40000"/>
+            </a:schemeClr>
+          </a:solidFill>
+          <a:ln>
+            <a:solidFill>
+              <a:schemeClr val="accent1">
+                <a:lumMod val="20000"/>
+                <a:lumOff val="80000"/>
+              </a:schemeClr>
+            </a:solidFill>
+          </a:ln>
+        </p:spPr>
+        <p:style>
+          <a:lnRef idx="2">
+            <a:schemeClr val="accent1">
+              <a:shade val="50000"/>
+            </a:schemeClr>
+          </a:lnRef>
+          <a:fillRef idx="1">
+            <a:schemeClr val="accent1"/>
+          </a:fillRef>
+          <a:effectRef idx="0">
+            <a:schemeClr val="accent1"/>
+          </a:effectRef>
+          <a:fontRef idx="minor">
+            <a:schemeClr val="lt1"/>
+          </a:fontRef>
+        </p:style>
+        <p:txBody>
+          <a:bodyPr rot="0" spcFirstLastPara="0" vertOverflow="overflow" horzOverflow="overflow" vert="horz" wrap="square" lIns="91440" tIns="45723" rIns="91440" bIns="45723" numCol="1" spcCol="0" rtlCol="0" fromWordArt="0" anchor="ctr" anchorCtr="0" forceAA="0" compatLnSpc="1">
+            <a:prstTxWarp prst="textNoShape">
+              <a:avLst/>
+            </a:prstTxWarp>
+            <a:noAutofit/>
+          </a:bodyPr>
+          <a:lstStyle/>
+          <a:p>
+            <a:pPr algn="ctr"/>
+            <a:r>
+              <a:rPr lang="en-US" altLang="ko-KR" sz="1400" dirty="0">
+                <a:solidFill>
+                  <a:schemeClr val="bg1"/>
+                </a:solidFill>
+              </a:rPr>
+              <a:t>View</a:t>
+            </a:r>
+            <a:endParaRPr lang="ko-KR" altLang="en-US" sz="1400" dirty="0">
+              <a:solidFill>
+                <a:schemeClr val="bg1"/>
+              </a:solidFill>
+            </a:endParaRPr>
+          </a:p>
+        </p:txBody>
+      </p:sp>
+      <p:sp>
+        <p:nvSpPr>
+          <p:cNvPr id="7" name="직사각형 6"/>
+          <p:cNvSpPr/>
+          <p:nvPr/>
+        </p:nvSpPr>
+        <p:spPr>
+          <a:xfrm>
+            <a:off x="2168961" y="2445136"/>
+            <a:ext cx="1620001" cy="346363"/>
+          </a:xfrm>
+          <a:prstGeom prst="rect">
+            <a:avLst/>
+          </a:prstGeom>
+          <a:solidFill>
+            <a:schemeClr val="accent1">
+              <a:lumMod val="60000"/>
+              <a:lumOff val="40000"/>
+            </a:schemeClr>
+          </a:solidFill>
+          <a:ln>
+            <a:solidFill>
+              <a:schemeClr val="accent1">
+                <a:lumMod val="20000"/>
+                <a:lumOff val="80000"/>
+              </a:schemeClr>
+            </a:solidFill>
+          </a:ln>
+        </p:spPr>
+        <p:style>
+          <a:lnRef idx="2">
+            <a:schemeClr val="accent1">
+              <a:shade val="50000"/>
+            </a:schemeClr>
+          </a:lnRef>
+          <a:fillRef idx="1">
+            <a:schemeClr val="accent1"/>
+          </a:fillRef>
+          <a:effectRef idx="0">
+            <a:schemeClr val="accent1"/>
+          </a:effectRef>
+          <a:fontRef idx="minor">
+            <a:schemeClr val="lt1"/>
+          </a:fontRef>
+        </p:style>
+        <p:txBody>
+          <a:bodyPr rot="0" spcFirstLastPara="0" vertOverflow="overflow" horzOverflow="overflow" vert="horz" wrap="square" lIns="91440" tIns="45723" rIns="91440" bIns="45723" numCol="1" spcCol="0" rtlCol="0" fromWordArt="0" anchor="ctr" anchorCtr="0" forceAA="0" compatLnSpc="1">
+            <a:prstTxWarp prst="textNoShape">
+              <a:avLst/>
+            </a:prstTxWarp>
+            <a:noAutofit/>
+          </a:bodyPr>
+          <a:lstStyle/>
+          <a:p>
+            <a:pPr algn="ctr"/>
+            <a:r>
+              <a:rPr lang="en-US" altLang="ko-KR" sz="1400" dirty="0" err="1">
+                <a:solidFill>
+                  <a:schemeClr val="bg1"/>
+                </a:solidFill>
+              </a:rPr>
+              <a:t>ViewModel</a:t>
+            </a:r>
+            <a:endParaRPr lang="ko-KR" altLang="en-US" sz="1400" dirty="0">
+              <a:solidFill>
+                <a:schemeClr val="bg1"/>
+              </a:solidFill>
+            </a:endParaRPr>
+          </a:p>
+        </p:txBody>
+      </p:sp>
+      <p:sp>
+        <p:nvSpPr>
+          <p:cNvPr id="8" name="직사각형 7"/>
+          <p:cNvSpPr/>
+          <p:nvPr/>
+        </p:nvSpPr>
+        <p:spPr>
+          <a:xfrm>
+            <a:off x="2168961" y="2943897"/>
+            <a:ext cx="1620001" cy="346363"/>
+          </a:xfrm>
+          <a:prstGeom prst="rect">
+            <a:avLst/>
+          </a:prstGeom>
+          <a:solidFill>
+            <a:schemeClr val="accent1">
+              <a:lumMod val="60000"/>
+              <a:lumOff val="40000"/>
+            </a:schemeClr>
+          </a:solidFill>
+          <a:ln>
+            <a:solidFill>
+              <a:schemeClr val="accent1">
+                <a:lumMod val="20000"/>
+                <a:lumOff val="80000"/>
+              </a:schemeClr>
+            </a:solidFill>
+          </a:ln>
+        </p:spPr>
+        <p:style>
+          <a:lnRef idx="2">
+            <a:schemeClr val="accent1">
+              <a:shade val="50000"/>
+            </a:schemeClr>
+          </a:lnRef>
+          <a:fillRef idx="1">
+            <a:schemeClr val="accent1"/>
+          </a:fillRef>
+          <a:effectRef idx="0">
+            <a:schemeClr val="accent1"/>
+          </a:effectRef>
+          <a:fontRef idx="minor">
+            <a:schemeClr val="lt1"/>
+          </a:fontRef>
+        </p:style>
+        <p:txBody>
+          <a:bodyPr rot="0" spcFirstLastPara="0" vertOverflow="overflow" horzOverflow="overflow" vert="horz" wrap="square" lIns="91440" tIns="45723" rIns="91440" bIns="45723" numCol="1" spcCol="0" rtlCol="0" fromWordArt="0" anchor="ctr" anchorCtr="0" forceAA="0" compatLnSpc="1">
+            <a:prstTxWarp prst="textNoShape">
+              <a:avLst/>
+            </a:prstTxWarp>
+            <a:noAutofit/>
+          </a:bodyPr>
+          <a:lstStyle/>
+          <a:p>
+            <a:pPr algn="ctr"/>
+            <a:r>
+              <a:rPr lang="en-US" altLang="ko-KR" sz="1400" dirty="0">
+                <a:solidFill>
+                  <a:schemeClr val="bg1"/>
+                </a:solidFill>
+              </a:rPr>
+              <a:t>Model</a:t>
+            </a:r>
+            <a:endParaRPr lang="ko-KR" altLang="en-US" sz="1400" dirty="0">
+              <a:solidFill>
+                <a:schemeClr val="bg1"/>
+              </a:solidFill>
+            </a:endParaRPr>
+          </a:p>
+        </p:txBody>
+      </p:sp>
+      <p:sp>
+        <p:nvSpPr>
+          <p:cNvPr id="10" name="직사각형 9"/>
+          <p:cNvSpPr/>
+          <p:nvPr/>
+        </p:nvSpPr>
+        <p:spPr>
+          <a:xfrm>
+            <a:off x="4579462" y="1787042"/>
+            <a:ext cx="1980001" cy="2175157"/>
+          </a:xfrm>
+          <a:prstGeom prst="rect">
+            <a:avLst/>
+          </a:prstGeom>
+          <a:solidFill>
+            <a:schemeClr val="bg1"/>
+          </a:solidFill>
+          <a:ln>
+            <a:solidFill>
+              <a:schemeClr val="bg1">
+                <a:lumMod val="65000"/>
+              </a:schemeClr>
+            </a:solidFill>
+          </a:ln>
+        </p:spPr>
+        <p:style>
+          <a:lnRef idx="2">
+            <a:schemeClr val="accent1">
+              <a:shade val="50000"/>
+            </a:schemeClr>
+          </a:lnRef>
+          <a:fillRef idx="1">
+            <a:schemeClr val="accent1"/>
+          </a:fillRef>
+          <a:effectRef idx="0">
+            <a:schemeClr val="accent1"/>
+          </a:effectRef>
+          <a:fontRef idx="minor">
+            <a:schemeClr val="lt1"/>
+          </a:fontRef>
+        </p:style>
+        <p:txBody>
+          <a:bodyPr rot="0" spcFirstLastPara="0" vertOverflow="overflow" horzOverflow="overflow" vert="horz" wrap="square" lIns="91440" tIns="45723" rIns="91440" bIns="45723" numCol="1" spcCol="0" rtlCol="0" fromWordArt="0" anchor="ctr" anchorCtr="0" forceAA="0" compatLnSpc="1">
+            <a:prstTxWarp prst="textNoShape">
+              <a:avLst/>
+            </a:prstTxWarp>
+            <a:noAutofit/>
+          </a:bodyPr>
+          <a:lstStyle/>
+          <a:p>
+            <a:pPr algn="ctr"/>
+            <a:endParaRPr lang="ko-KR" altLang="en-US" sz="1801"/>
+          </a:p>
+        </p:txBody>
+      </p:sp>
+      <p:sp>
+        <p:nvSpPr>
+          <p:cNvPr id="11" name="TextBox 10"/>
+          <p:cNvSpPr txBox="1"/>
+          <p:nvPr/>
+        </p:nvSpPr>
+        <p:spPr>
+          <a:xfrm>
+            <a:off x="5101816" y="1341015"/>
+            <a:ext cx="895963" cy="369460"/>
+          </a:xfrm>
+          <a:prstGeom prst="rect">
+            <a:avLst/>
+          </a:prstGeom>
+          <a:noFill/>
+        </p:spPr>
+        <p:txBody>
+          <a:bodyPr wrap="square" rtlCol="0">
+            <a:spAutoFit/>
+          </a:bodyPr>
+          <a:lstStyle/>
+          <a:p>
+            <a:r>
+              <a:rPr lang="en-US" altLang="ko-KR" sz="1801" dirty="0"/>
+              <a:t>Server</a:t>
+            </a:r>
+            <a:endParaRPr lang="ko-KR" altLang="en-US" sz="1801" dirty="0"/>
+          </a:p>
+        </p:txBody>
+      </p:sp>
+      <p:sp>
+        <p:nvSpPr>
+          <p:cNvPr id="12" name="직사각형 11"/>
+          <p:cNvSpPr/>
+          <p:nvPr/>
+        </p:nvSpPr>
+        <p:spPr>
+          <a:xfrm>
+            <a:off x="4746904" y="1939438"/>
+            <a:ext cx="1620001" cy="346363"/>
+          </a:xfrm>
+          <a:prstGeom prst="rect">
+            <a:avLst/>
+          </a:prstGeom>
+          <a:solidFill>
+            <a:schemeClr val="accent2">
+              <a:lumMod val="60000"/>
+              <a:lumOff val="40000"/>
+            </a:schemeClr>
+          </a:solidFill>
+          <a:ln>
+            <a:solidFill>
+              <a:srgbClr val="FF0000"/>
+            </a:solidFill>
+          </a:ln>
+        </p:spPr>
+        <p:style>
+          <a:lnRef idx="2">
+            <a:schemeClr val="accent1">
+              <a:shade val="50000"/>
+            </a:schemeClr>
+          </a:lnRef>
+          <a:fillRef idx="1">
+            <a:schemeClr val="accent1"/>
+          </a:fillRef>
+          <a:effectRef idx="0">
+            <a:schemeClr val="accent1"/>
+          </a:effectRef>
+          <a:fontRef idx="minor">
+            <a:schemeClr val="lt1"/>
+          </a:fontRef>
+        </p:style>
+        <p:txBody>
+          <a:bodyPr rot="0" spcFirstLastPara="0" vertOverflow="overflow" horzOverflow="overflow" vert="horz" wrap="square" lIns="91440" tIns="45723" rIns="91440" bIns="45723" numCol="1" spcCol="0" rtlCol="0" fromWordArt="0" anchor="ctr" anchorCtr="0" forceAA="0" compatLnSpc="1">
+            <a:prstTxWarp prst="textNoShape">
+              <a:avLst/>
+            </a:prstTxWarp>
+            <a:noAutofit/>
+          </a:bodyPr>
+          <a:lstStyle/>
+          <a:p>
+            <a:pPr algn="ctr"/>
+            <a:r>
+              <a:rPr lang="en-US" altLang="ko-KR" sz="1400" dirty="0" err="1" smtClean="0">
+                <a:solidFill>
+                  <a:schemeClr val="bg1"/>
+                </a:solidFill>
+              </a:rPr>
+              <a:t>gRPC</a:t>
+            </a:r>
+            <a:r>
+              <a:rPr lang="en-US" altLang="ko-KR" sz="1400" dirty="0" smtClean="0">
+                <a:solidFill>
+                  <a:schemeClr val="bg1"/>
+                </a:solidFill>
+              </a:rPr>
+              <a:t> </a:t>
+            </a:r>
+            <a:r>
+              <a:rPr lang="en-US" altLang="ko-KR" sz="1400" dirty="0">
+                <a:solidFill>
+                  <a:schemeClr val="bg1"/>
+                </a:solidFill>
+              </a:rPr>
+              <a:t>Service</a:t>
+            </a:r>
+            <a:endParaRPr lang="ko-KR" altLang="en-US" sz="1400" dirty="0">
+              <a:solidFill>
+                <a:schemeClr val="bg1"/>
+              </a:solidFill>
+            </a:endParaRPr>
+          </a:p>
+        </p:txBody>
+      </p:sp>
+      <p:sp>
+        <p:nvSpPr>
+          <p:cNvPr id="13" name="직사각형 12"/>
+          <p:cNvSpPr/>
+          <p:nvPr/>
+        </p:nvSpPr>
+        <p:spPr>
+          <a:xfrm>
+            <a:off x="4744925" y="2438205"/>
+            <a:ext cx="1620001" cy="346363"/>
+          </a:xfrm>
+          <a:prstGeom prst="rect">
+            <a:avLst/>
+          </a:prstGeom>
+          <a:solidFill>
+            <a:schemeClr val="accent2">
+              <a:lumMod val="60000"/>
+              <a:lumOff val="40000"/>
+            </a:schemeClr>
+          </a:solidFill>
+          <a:ln>
+            <a:solidFill>
+              <a:schemeClr val="accent2">
+                <a:lumMod val="20000"/>
+                <a:lumOff val="80000"/>
+              </a:schemeClr>
+            </a:solidFill>
+          </a:ln>
+        </p:spPr>
+        <p:style>
+          <a:lnRef idx="2">
+            <a:schemeClr val="accent1">
+              <a:shade val="50000"/>
+            </a:schemeClr>
+          </a:lnRef>
+          <a:fillRef idx="1">
+            <a:schemeClr val="accent1"/>
+          </a:fillRef>
+          <a:effectRef idx="0">
+            <a:schemeClr val="accent1"/>
+          </a:effectRef>
+          <a:fontRef idx="minor">
+            <a:schemeClr val="lt1"/>
+          </a:fontRef>
+        </p:style>
+        <p:txBody>
+          <a:bodyPr rot="0" spcFirstLastPara="0" vertOverflow="overflow" horzOverflow="overflow" vert="horz" wrap="square" lIns="91440" tIns="45723" rIns="91440" bIns="45723" numCol="1" spcCol="0" rtlCol="0" fromWordArt="0" anchor="ctr" anchorCtr="0" forceAA="0" compatLnSpc="1">
+            <a:prstTxWarp prst="textNoShape">
+              <a:avLst/>
+            </a:prstTxWarp>
+            <a:noAutofit/>
+          </a:bodyPr>
+          <a:lstStyle/>
+          <a:p>
+            <a:pPr algn="ctr"/>
+            <a:r>
+              <a:rPr lang="en-US" altLang="ko-KR" sz="1400" dirty="0" err="1" smtClean="0">
+                <a:solidFill>
+                  <a:schemeClr val="bg1"/>
+                </a:solidFill>
+              </a:rPr>
+              <a:t>serverEngine</a:t>
+            </a:r>
+            <a:endParaRPr lang="ko-KR" altLang="en-US" sz="1400" dirty="0">
+              <a:solidFill>
+                <a:schemeClr val="bg1"/>
+              </a:solidFill>
+            </a:endParaRPr>
+          </a:p>
+        </p:txBody>
+      </p:sp>
+      <p:sp>
+        <p:nvSpPr>
+          <p:cNvPr id="14" name="직사각형 13"/>
+          <p:cNvSpPr/>
+          <p:nvPr/>
+        </p:nvSpPr>
+        <p:spPr>
+          <a:xfrm>
+            <a:off x="4744924" y="2936968"/>
+            <a:ext cx="1620001" cy="346363"/>
+          </a:xfrm>
+          <a:prstGeom prst="rect">
+            <a:avLst/>
+          </a:prstGeom>
+          <a:solidFill>
+            <a:schemeClr val="accent2">
+              <a:lumMod val="60000"/>
+              <a:lumOff val="40000"/>
+            </a:schemeClr>
+          </a:solidFill>
+          <a:ln>
+            <a:solidFill>
+              <a:schemeClr val="accent2">
+                <a:lumMod val="20000"/>
+                <a:lumOff val="80000"/>
+              </a:schemeClr>
+            </a:solidFill>
+          </a:ln>
+        </p:spPr>
+        <p:style>
+          <a:lnRef idx="2">
+            <a:schemeClr val="accent1">
+              <a:shade val="50000"/>
+            </a:schemeClr>
+          </a:lnRef>
+          <a:fillRef idx="1">
+            <a:schemeClr val="accent1"/>
+          </a:fillRef>
+          <a:effectRef idx="0">
+            <a:schemeClr val="accent1"/>
+          </a:effectRef>
+          <a:fontRef idx="minor">
+            <a:schemeClr val="lt1"/>
+          </a:fontRef>
+        </p:style>
+        <p:txBody>
+          <a:bodyPr rot="0" spcFirstLastPara="0" vertOverflow="overflow" horzOverflow="overflow" vert="horz" wrap="square" lIns="91440" tIns="45723" rIns="91440" bIns="45723" numCol="1" spcCol="0" rtlCol="0" fromWordArt="0" anchor="ctr" anchorCtr="0" forceAA="0" compatLnSpc="1">
+            <a:prstTxWarp prst="textNoShape">
+              <a:avLst/>
+            </a:prstTxWarp>
+            <a:noAutofit/>
+          </a:bodyPr>
+          <a:lstStyle/>
+          <a:p>
+            <a:pPr algn="ctr"/>
+            <a:r>
+              <a:rPr lang="en-US" altLang="ko-KR" sz="1400" dirty="0" err="1" smtClean="0">
+                <a:solidFill>
+                  <a:schemeClr val="bg1"/>
+                </a:solidFill>
+              </a:rPr>
+              <a:t>AccountService</a:t>
+            </a:r>
+            <a:endParaRPr lang="ko-KR" altLang="en-US" sz="1400" dirty="0">
+              <a:solidFill>
+                <a:schemeClr val="bg1"/>
+              </a:solidFill>
+            </a:endParaRPr>
+          </a:p>
+        </p:txBody>
+      </p:sp>
+      <p:sp>
+        <p:nvSpPr>
+          <p:cNvPr id="16" name="직사각형 15"/>
+          <p:cNvSpPr/>
+          <p:nvPr/>
+        </p:nvSpPr>
+        <p:spPr>
+          <a:xfrm>
+            <a:off x="2168961" y="3442660"/>
+            <a:ext cx="1620001" cy="393069"/>
+          </a:xfrm>
+          <a:prstGeom prst="rect">
+            <a:avLst/>
+          </a:prstGeom>
+          <a:solidFill>
+            <a:schemeClr val="accent1">
+              <a:lumMod val="60000"/>
+              <a:lumOff val="40000"/>
+            </a:schemeClr>
+          </a:solidFill>
+          <a:ln>
+            <a:solidFill>
+              <a:srgbClr val="FF0000"/>
+            </a:solidFill>
+          </a:ln>
+        </p:spPr>
+        <p:style>
+          <a:lnRef idx="2">
+            <a:schemeClr val="accent1">
+              <a:shade val="50000"/>
+            </a:schemeClr>
+          </a:lnRef>
+          <a:fillRef idx="1">
+            <a:schemeClr val="accent1"/>
+          </a:fillRef>
+          <a:effectRef idx="0">
+            <a:schemeClr val="accent1"/>
+          </a:effectRef>
+          <a:fontRef idx="minor">
+            <a:schemeClr val="lt1"/>
+          </a:fontRef>
+        </p:style>
+        <p:txBody>
+          <a:bodyPr rot="0" spcFirstLastPara="0" vertOverflow="overflow" horzOverflow="overflow" vert="horz" wrap="square" lIns="91440" tIns="45723" rIns="91440" bIns="45723" numCol="1" spcCol="0" rtlCol="0" fromWordArt="0" anchor="ctr" anchorCtr="0" forceAA="0" compatLnSpc="1">
+            <a:prstTxWarp prst="textNoShape">
+              <a:avLst/>
+            </a:prstTxWarp>
+            <a:noAutofit/>
+          </a:bodyPr>
+          <a:lstStyle/>
+          <a:p>
+            <a:pPr algn="ctr"/>
+            <a:r>
+              <a:rPr lang="en-US" altLang="ko-KR" sz="1400" dirty="0" err="1" smtClean="0">
+                <a:solidFill>
+                  <a:schemeClr val="bg1"/>
+                </a:solidFill>
+              </a:rPr>
+              <a:t>gRPC</a:t>
+            </a:r>
+            <a:r>
+              <a:rPr lang="en-US" altLang="ko-KR" sz="1400" dirty="0" smtClean="0">
+                <a:solidFill>
+                  <a:schemeClr val="bg1"/>
+                </a:solidFill>
+              </a:rPr>
+              <a:t> Service</a:t>
+            </a:r>
+          </a:p>
+          <a:p>
+            <a:pPr algn="ctr"/>
+            <a:r>
+              <a:rPr lang="en-US" altLang="ko-KR" sz="1000" dirty="0" smtClean="0">
+                <a:solidFill>
+                  <a:schemeClr val="bg1"/>
+                </a:solidFill>
+              </a:rPr>
+              <a:t>(</a:t>
+            </a:r>
+            <a:r>
+              <a:rPr lang="en-US" altLang="ko-KR" sz="1000" dirty="0" err="1" smtClean="0">
+                <a:solidFill>
+                  <a:schemeClr val="bg1"/>
+                </a:solidFill>
+              </a:rPr>
+              <a:t>ServiceProvider.cs</a:t>
+            </a:r>
+            <a:r>
+              <a:rPr lang="en-US" altLang="ko-KR" sz="1000" dirty="0" smtClean="0">
+                <a:solidFill>
+                  <a:schemeClr val="bg1"/>
+                </a:solidFill>
+              </a:rPr>
+              <a:t>)</a:t>
+            </a:r>
+            <a:endParaRPr lang="ko-KR" altLang="en-US" sz="1600" dirty="0">
+              <a:solidFill>
+                <a:schemeClr val="bg1"/>
+              </a:solidFill>
+            </a:endParaRPr>
+          </a:p>
+        </p:txBody>
+      </p:sp>
+      <p:sp>
+        <p:nvSpPr>
+          <p:cNvPr id="17" name="직사각형 16"/>
+          <p:cNvSpPr/>
+          <p:nvPr/>
+        </p:nvSpPr>
+        <p:spPr>
+          <a:xfrm>
+            <a:off x="4744924" y="3435728"/>
+            <a:ext cx="1620001" cy="346363"/>
+          </a:xfrm>
+          <a:prstGeom prst="rect">
+            <a:avLst/>
+          </a:prstGeom>
+          <a:solidFill>
+            <a:schemeClr val="accent2">
+              <a:lumMod val="60000"/>
+              <a:lumOff val="40000"/>
+            </a:schemeClr>
+          </a:solidFill>
+          <a:ln>
+            <a:solidFill>
+              <a:schemeClr val="accent2">
+                <a:lumMod val="20000"/>
+                <a:lumOff val="80000"/>
+              </a:schemeClr>
+            </a:solidFill>
+          </a:ln>
+        </p:spPr>
+        <p:style>
+          <a:lnRef idx="2">
+            <a:schemeClr val="accent1">
+              <a:shade val="50000"/>
+            </a:schemeClr>
+          </a:lnRef>
+          <a:fillRef idx="1">
+            <a:schemeClr val="accent1"/>
+          </a:fillRef>
+          <a:effectRef idx="0">
+            <a:schemeClr val="accent1"/>
+          </a:effectRef>
+          <a:fontRef idx="minor">
+            <a:schemeClr val="lt1"/>
+          </a:fontRef>
+        </p:style>
+        <p:txBody>
+          <a:bodyPr rot="0" spcFirstLastPara="0" vertOverflow="overflow" horzOverflow="overflow" vert="horz" wrap="square" lIns="91440" tIns="45723" rIns="91440" bIns="45723" numCol="1" spcCol="0" rtlCol="0" fromWordArt="0" anchor="ctr" anchorCtr="0" forceAA="0" compatLnSpc="1">
+            <a:prstTxWarp prst="textNoShape">
+              <a:avLst/>
+            </a:prstTxWarp>
+            <a:noAutofit/>
+          </a:bodyPr>
+          <a:lstStyle/>
+          <a:p>
+            <a:pPr algn="ctr"/>
+            <a:r>
+              <a:rPr lang="en-US" altLang="ko-KR" sz="1400" dirty="0" err="1" smtClean="0">
+                <a:solidFill>
+                  <a:schemeClr val="bg1"/>
+                </a:solidFill>
+              </a:rPr>
+              <a:t>DatabaseProvider</a:t>
+            </a:r>
+            <a:endParaRPr lang="ko-KR" altLang="en-US" sz="1400" dirty="0">
+              <a:solidFill>
+                <a:schemeClr val="bg1"/>
+              </a:solidFill>
+            </a:endParaRPr>
+          </a:p>
+        </p:txBody>
+      </p:sp>
+      <p:cxnSp>
+        <p:nvCxnSpPr>
+          <p:cNvPr id="20" name="꺾인 연결선 19"/>
+          <p:cNvCxnSpPr>
+            <a:stCxn id="16" idx="3"/>
+            <a:endCxn id="12" idx="1"/>
+          </p:cNvCxnSpPr>
+          <p:nvPr/>
+        </p:nvCxnSpPr>
+        <p:spPr>
+          <a:xfrm flipV="1">
+            <a:off x="3788962" y="2112620"/>
+            <a:ext cx="957942" cy="1526575"/>
+          </a:xfrm>
+          <a:prstGeom prst="bentConnector3">
+            <a:avLst/>
+          </a:prstGeom>
+          <a:ln>
+            <a:headEnd type="triangle"/>
+            <a:tailEnd type="triangle"/>
+          </a:ln>
+        </p:spPr>
+        <p:style>
+          <a:lnRef idx="2">
+            <a:schemeClr val="dk1"/>
+          </a:lnRef>
+          <a:fillRef idx="0">
+            <a:schemeClr val="dk1"/>
+          </a:fillRef>
+          <a:effectRef idx="1">
+            <a:schemeClr val="dk1"/>
+          </a:effectRef>
+          <a:fontRef idx="minor">
+            <a:schemeClr val="tx1"/>
+          </a:fontRef>
+        </p:style>
+      </p:cxnSp>
+      <p:sp>
+        <p:nvSpPr>
+          <p:cNvPr id="21" name="TextBox 20"/>
+          <p:cNvSpPr txBox="1"/>
+          <p:nvPr/>
+        </p:nvSpPr>
+        <p:spPr>
+          <a:xfrm>
+            <a:off x="3972931" y="2690706"/>
+            <a:ext cx="599070" cy="276999"/>
+          </a:xfrm>
+          <a:prstGeom prst="rect">
+            <a:avLst/>
+          </a:prstGeom>
+          <a:solidFill>
+            <a:schemeClr val="bg1"/>
+          </a:solidFill>
+        </p:spPr>
+        <p:txBody>
+          <a:bodyPr wrap="square" rtlCol="0">
+            <a:spAutoFit/>
+          </a:bodyPr>
+          <a:lstStyle/>
+          <a:p>
+            <a:r>
+              <a:rPr lang="en-US" altLang="ko-KR" sz="1200" b="1" dirty="0" err="1" smtClean="0">
+                <a:solidFill>
+                  <a:srgbClr val="FF0000"/>
+                </a:solidFill>
+              </a:rPr>
+              <a:t>gRPC</a:t>
+            </a:r>
+            <a:endParaRPr lang="ko-KR" altLang="en-US" sz="1200" b="1" dirty="0">
+              <a:solidFill>
+                <a:srgbClr val="FF0000"/>
+              </a:solidFill>
+            </a:endParaRPr>
+          </a:p>
+        </p:txBody>
+      </p:sp>
+      <p:sp>
+        <p:nvSpPr>
+          <p:cNvPr id="23" name="TextBox 22"/>
+          <p:cNvSpPr txBox="1"/>
+          <p:nvPr/>
+        </p:nvSpPr>
+        <p:spPr>
+          <a:xfrm>
+            <a:off x="7473016" y="3045537"/>
+            <a:ext cx="501983" cy="369460"/>
+          </a:xfrm>
+          <a:prstGeom prst="rect">
+            <a:avLst/>
+          </a:prstGeom>
+          <a:noFill/>
+        </p:spPr>
+        <p:txBody>
+          <a:bodyPr wrap="square" rtlCol="0">
+            <a:spAutoFit/>
+          </a:bodyPr>
+          <a:lstStyle/>
+          <a:p>
+            <a:r>
+              <a:rPr lang="en-US" altLang="ko-KR" sz="1801" dirty="0"/>
+              <a:t>DB</a:t>
+            </a:r>
+            <a:endParaRPr lang="ko-KR" altLang="en-US" sz="1801" dirty="0"/>
+          </a:p>
+        </p:txBody>
+      </p:sp>
+      <p:sp>
+        <p:nvSpPr>
+          <p:cNvPr id="24" name="직사각형 23"/>
+          <p:cNvSpPr/>
+          <p:nvPr/>
+        </p:nvSpPr>
+        <p:spPr>
+          <a:xfrm>
+            <a:off x="7300804" y="3436491"/>
+            <a:ext cx="858285" cy="345600"/>
+          </a:xfrm>
+          <a:prstGeom prst="rect">
+            <a:avLst/>
+          </a:prstGeom>
+          <a:solidFill>
+            <a:schemeClr val="tx2">
+              <a:lumMod val="40000"/>
+              <a:lumOff val="60000"/>
+            </a:schemeClr>
+          </a:solidFill>
+          <a:ln>
+            <a:solidFill>
+              <a:schemeClr val="tx2">
+                <a:lumMod val="20000"/>
+                <a:lumOff val="80000"/>
+              </a:schemeClr>
+            </a:solidFill>
+          </a:ln>
+        </p:spPr>
+        <p:style>
+          <a:lnRef idx="2">
+            <a:schemeClr val="accent1">
+              <a:shade val="50000"/>
+            </a:schemeClr>
+          </a:lnRef>
+          <a:fillRef idx="1">
+            <a:schemeClr val="accent1"/>
+          </a:fillRef>
+          <a:effectRef idx="0">
+            <a:schemeClr val="accent1"/>
+          </a:effectRef>
+          <a:fontRef idx="minor">
+            <a:schemeClr val="lt1"/>
+          </a:fontRef>
+        </p:style>
+        <p:txBody>
+          <a:bodyPr rot="0" spcFirstLastPara="0" vertOverflow="overflow" horzOverflow="overflow" vert="horz" wrap="square" lIns="91440" tIns="45723" rIns="91440" bIns="45723" numCol="1" spcCol="0" rtlCol="0" fromWordArt="0" anchor="ctr" anchorCtr="0" forceAA="0" compatLnSpc="1">
+            <a:prstTxWarp prst="textNoShape">
+              <a:avLst/>
+            </a:prstTxWarp>
+            <a:noAutofit/>
+          </a:bodyPr>
+          <a:lstStyle/>
+          <a:p>
+            <a:pPr algn="ctr"/>
+            <a:r>
+              <a:rPr lang="en-US" altLang="ko-KR" sz="1600" dirty="0">
+                <a:solidFill>
+                  <a:schemeClr val="bg1"/>
+                </a:solidFill>
+              </a:rPr>
+              <a:t>MSSQL</a:t>
+            </a:r>
+            <a:endParaRPr lang="ko-KR" altLang="en-US" sz="1600" dirty="0">
+              <a:solidFill>
+                <a:schemeClr val="bg1"/>
+              </a:solidFill>
+            </a:endParaRPr>
+          </a:p>
+        </p:txBody>
+      </p:sp>
+      <p:cxnSp>
+        <p:nvCxnSpPr>
+          <p:cNvPr id="26" name="직선 화살표 연결선 25"/>
+          <p:cNvCxnSpPr>
+            <a:stCxn id="17" idx="3"/>
+            <a:endCxn id="24" idx="1"/>
+          </p:cNvCxnSpPr>
+          <p:nvPr/>
+        </p:nvCxnSpPr>
+        <p:spPr>
+          <a:xfrm>
+            <a:off x="6364925" y="3608910"/>
+            <a:ext cx="935879" cy="381"/>
+          </a:xfrm>
+          <a:prstGeom prst="straightConnector1">
+            <a:avLst/>
+          </a:prstGeom>
+          <a:ln w="12700">
+            <a:solidFill>
+              <a:schemeClr val="tx1"/>
+            </a:solidFill>
+            <a:tailEnd type="triangle"/>
+          </a:ln>
+        </p:spPr>
+        <p:style>
+          <a:lnRef idx="1">
+            <a:schemeClr val="accent1"/>
+          </a:lnRef>
+          <a:fillRef idx="0">
+            <a:schemeClr val="accent1"/>
+          </a:fillRef>
+          <a:effectRef idx="0">
+            <a:schemeClr val="accent1"/>
+          </a:effectRef>
+          <a:fontRef idx="minor">
+            <a:schemeClr val="tx1"/>
+          </a:fontRef>
+        </p:style>
+      </p:cxnSp>
+      <p:sp>
+        <p:nvSpPr>
+          <p:cNvPr id="27" name="직사각형 26"/>
+          <p:cNvSpPr/>
+          <p:nvPr/>
+        </p:nvSpPr>
+        <p:spPr>
+          <a:xfrm>
+            <a:off x="1985170" y="4566841"/>
+            <a:ext cx="4574293" cy="792069"/>
+          </a:xfrm>
+          <a:prstGeom prst="rect">
+            <a:avLst/>
+          </a:prstGeom>
+          <a:solidFill>
+            <a:schemeClr val="bg1"/>
+          </a:solidFill>
+          <a:ln>
+            <a:solidFill>
+              <a:schemeClr val="bg1">
+                <a:lumMod val="65000"/>
+              </a:schemeClr>
+            </a:solidFill>
+          </a:ln>
+        </p:spPr>
+        <p:style>
+          <a:lnRef idx="2">
+            <a:schemeClr val="accent1">
+              <a:shade val="50000"/>
+            </a:schemeClr>
+          </a:lnRef>
+          <a:fillRef idx="1">
+            <a:schemeClr val="accent1"/>
+          </a:fillRef>
+          <a:effectRef idx="0">
+            <a:schemeClr val="accent1"/>
+          </a:effectRef>
+          <a:fontRef idx="minor">
+            <a:schemeClr val="lt1"/>
+          </a:fontRef>
+        </p:style>
+        <p:txBody>
+          <a:bodyPr rot="0" spcFirstLastPara="0" vertOverflow="overflow" horzOverflow="overflow" vert="horz" wrap="square" lIns="91440" tIns="45723" rIns="91440" bIns="45723" numCol="1" spcCol="0" rtlCol="0" fromWordArt="0" anchor="ctr" anchorCtr="0" forceAA="0" compatLnSpc="1">
+            <a:prstTxWarp prst="textNoShape">
+              <a:avLst/>
+            </a:prstTxWarp>
+            <a:noAutofit/>
+          </a:bodyPr>
+          <a:lstStyle/>
+          <a:p>
+            <a:pPr algn="ctr"/>
+            <a:endParaRPr lang="ko-KR" altLang="en-US" sz="1801"/>
+          </a:p>
+        </p:txBody>
+      </p:sp>
+      <p:sp>
+        <p:nvSpPr>
+          <p:cNvPr id="28" name="TextBox 27"/>
+          <p:cNvSpPr txBox="1"/>
+          <p:nvPr/>
+        </p:nvSpPr>
+        <p:spPr>
+          <a:xfrm>
+            <a:off x="3694699" y="4148377"/>
+            <a:ext cx="1146468" cy="369460"/>
+          </a:xfrm>
+          <a:prstGeom prst="rect">
+            <a:avLst/>
+          </a:prstGeom>
+          <a:noFill/>
+        </p:spPr>
+        <p:txBody>
+          <a:bodyPr wrap="none" rtlCol="0">
+            <a:spAutoFit/>
+          </a:bodyPr>
+          <a:lstStyle/>
+          <a:p>
+            <a:pPr algn="ctr"/>
+            <a:r>
+              <a:rPr lang="en-US" altLang="ko-KR" sz="1801" dirty="0" smtClean="0"/>
+              <a:t>Common</a:t>
+            </a:r>
+            <a:endParaRPr lang="ko-KR" altLang="en-US" sz="1801" dirty="0"/>
+          </a:p>
+        </p:txBody>
+      </p:sp>
+      <p:sp>
+        <p:nvSpPr>
+          <p:cNvPr id="29" name="직사각형 28"/>
+          <p:cNvSpPr/>
+          <p:nvPr/>
+        </p:nvSpPr>
+        <p:spPr>
+          <a:xfrm>
+            <a:off x="2388651" y="4762316"/>
+            <a:ext cx="1620001" cy="390702"/>
+          </a:xfrm>
+          <a:prstGeom prst="rect">
+            <a:avLst/>
+          </a:prstGeom>
+          <a:solidFill>
+            <a:schemeClr val="accent4">
+              <a:lumMod val="60000"/>
+              <a:lumOff val="40000"/>
+            </a:schemeClr>
+          </a:solidFill>
+          <a:ln>
+            <a:solidFill>
+              <a:schemeClr val="accent4">
+                <a:lumMod val="20000"/>
+                <a:lumOff val="80000"/>
+              </a:schemeClr>
+            </a:solidFill>
+          </a:ln>
+        </p:spPr>
+        <p:style>
+          <a:lnRef idx="2">
+            <a:schemeClr val="accent1">
+              <a:shade val="50000"/>
+            </a:schemeClr>
+          </a:lnRef>
+          <a:fillRef idx="1">
+            <a:schemeClr val="accent1"/>
+          </a:fillRef>
+          <a:effectRef idx="0">
+            <a:schemeClr val="accent1"/>
+          </a:effectRef>
+          <a:fontRef idx="minor">
+            <a:schemeClr val="lt1"/>
+          </a:fontRef>
+        </p:style>
+        <p:txBody>
+          <a:bodyPr rot="0" spcFirstLastPara="0" vertOverflow="overflow" horzOverflow="overflow" vert="horz" wrap="square" lIns="91440" tIns="45723" rIns="91440" bIns="45723" numCol="1" spcCol="0" rtlCol="0" fromWordArt="0" anchor="ctr" anchorCtr="0" forceAA="0" compatLnSpc="1">
+            <a:prstTxWarp prst="textNoShape">
+              <a:avLst/>
+            </a:prstTxWarp>
+            <a:noAutofit/>
+          </a:bodyPr>
+          <a:lstStyle/>
+          <a:p>
+            <a:pPr algn="ctr"/>
+            <a:r>
+              <a:rPr lang="en-US" altLang="ko-KR" sz="1600" dirty="0" smtClean="0">
+                <a:solidFill>
+                  <a:schemeClr val="bg1"/>
+                </a:solidFill>
+              </a:rPr>
+              <a:t>IDL</a:t>
+            </a:r>
+          </a:p>
+          <a:p>
+            <a:pPr algn="ctr"/>
+            <a:r>
+              <a:rPr lang="en-US" altLang="ko-KR" sz="1050" dirty="0" smtClean="0">
+                <a:solidFill>
+                  <a:schemeClr val="bg1"/>
+                </a:solidFill>
+              </a:rPr>
+              <a:t>(</a:t>
+            </a:r>
+            <a:r>
+              <a:rPr lang="en-US" altLang="ko-KR" sz="1050" dirty="0" err="1" smtClean="0">
+                <a:solidFill>
+                  <a:schemeClr val="bg1"/>
+                </a:solidFill>
+              </a:rPr>
+              <a:t>ServiceDefinition.proto</a:t>
+            </a:r>
+            <a:r>
+              <a:rPr lang="en-US" altLang="ko-KR" sz="1050" dirty="0" smtClean="0">
+                <a:solidFill>
+                  <a:schemeClr val="bg1"/>
+                </a:solidFill>
+              </a:rPr>
+              <a:t>)</a:t>
+            </a:r>
+            <a:endParaRPr lang="ko-KR" altLang="en-US" sz="1050" dirty="0">
+              <a:solidFill>
+                <a:schemeClr val="bg1"/>
+              </a:solidFill>
+            </a:endParaRPr>
+          </a:p>
+        </p:txBody>
+      </p:sp>
+      <p:sp>
+        <p:nvSpPr>
+          <p:cNvPr id="30" name="직사각형 29"/>
+          <p:cNvSpPr/>
+          <p:nvPr/>
+        </p:nvSpPr>
+        <p:spPr>
+          <a:xfrm>
+            <a:off x="4514341" y="4762316"/>
+            <a:ext cx="1620001" cy="390702"/>
+          </a:xfrm>
+          <a:prstGeom prst="rect">
+            <a:avLst/>
+          </a:prstGeom>
+          <a:solidFill>
+            <a:schemeClr val="accent4">
+              <a:lumMod val="60000"/>
+              <a:lumOff val="40000"/>
+            </a:schemeClr>
+          </a:solidFill>
+          <a:ln>
+            <a:solidFill>
+              <a:schemeClr val="accent4">
+                <a:lumMod val="20000"/>
+                <a:lumOff val="80000"/>
+              </a:schemeClr>
+            </a:solidFill>
+          </a:ln>
+        </p:spPr>
+        <p:style>
+          <a:lnRef idx="2">
+            <a:schemeClr val="accent1">
+              <a:shade val="50000"/>
+            </a:schemeClr>
+          </a:lnRef>
+          <a:fillRef idx="1">
+            <a:schemeClr val="accent1"/>
+          </a:fillRef>
+          <a:effectRef idx="0">
+            <a:schemeClr val="accent1"/>
+          </a:effectRef>
+          <a:fontRef idx="minor">
+            <a:schemeClr val="lt1"/>
+          </a:fontRef>
+        </p:style>
+        <p:txBody>
+          <a:bodyPr rot="0" spcFirstLastPara="0" vertOverflow="overflow" horzOverflow="overflow" vert="horz" wrap="square" lIns="91440" tIns="45723" rIns="91440" bIns="45723" numCol="1" spcCol="0" rtlCol="0" fromWordArt="0" anchor="ctr" anchorCtr="0" forceAA="0" compatLnSpc="1">
+            <a:prstTxWarp prst="textNoShape">
+              <a:avLst/>
+            </a:prstTxWarp>
+            <a:noAutofit/>
+          </a:bodyPr>
+          <a:lstStyle/>
+          <a:p>
+            <a:pPr algn="ctr"/>
+            <a:r>
+              <a:rPr lang="en-US" altLang="ko-KR" sz="1600" dirty="0" smtClean="0">
+                <a:solidFill>
+                  <a:schemeClr val="bg1"/>
+                </a:solidFill>
+              </a:rPr>
+              <a:t>Stub</a:t>
+            </a:r>
+            <a:endParaRPr lang="en-US" altLang="ko-KR" sz="1000" dirty="0" smtClean="0">
+              <a:solidFill>
+                <a:schemeClr val="bg1"/>
+              </a:solidFill>
+            </a:endParaRPr>
+          </a:p>
+          <a:p>
+            <a:pPr algn="ctr"/>
+            <a:r>
+              <a:rPr lang="en-US" altLang="ko-KR" sz="1000" dirty="0" err="1" smtClean="0">
+                <a:solidFill>
+                  <a:schemeClr val="bg1"/>
+                </a:solidFill>
+              </a:rPr>
+              <a:t>ServiceDefinitionGrpc.cs</a:t>
+            </a:r>
+            <a:endParaRPr lang="ko-KR" altLang="en-US" sz="1000" dirty="0">
+              <a:solidFill>
+                <a:schemeClr val="bg1"/>
+              </a:solidFill>
+            </a:endParaRPr>
+          </a:p>
+        </p:txBody>
+      </p:sp>
+      <p:cxnSp>
+        <p:nvCxnSpPr>
+          <p:cNvPr id="32" name="직선 화살표 연결선 31"/>
+          <p:cNvCxnSpPr>
+            <a:stCxn id="29" idx="3"/>
+            <a:endCxn id="30" idx="1"/>
+          </p:cNvCxnSpPr>
+          <p:nvPr/>
+        </p:nvCxnSpPr>
+        <p:spPr>
+          <a:xfrm>
+            <a:off x="4008652" y="4957667"/>
+            <a:ext cx="505689" cy="0"/>
+          </a:xfrm>
+          <a:prstGeom prst="straightConnector1">
+            <a:avLst/>
+          </a:prstGeom>
+          <a:ln w="3175">
+            <a:solidFill>
+              <a:schemeClr val="tx1"/>
+            </a:solidFill>
+            <a:headEnd type="none" w="med" len="med"/>
+            <a:tailEnd type="arrow" w="med" len="med"/>
+          </a:ln>
+        </p:spPr>
+        <p:style>
+          <a:lnRef idx="1">
+            <a:schemeClr val="accent1"/>
+          </a:lnRef>
+          <a:fillRef idx="0">
+            <a:schemeClr val="accent1"/>
+          </a:fillRef>
+          <a:effectRef idx="0">
+            <a:schemeClr val="accent1"/>
+          </a:effectRef>
+          <a:fontRef idx="minor">
+            <a:schemeClr val="tx1"/>
+          </a:fontRef>
+        </p:style>
+      </p:cxnSp>
+      <p:sp>
+        <p:nvSpPr>
+          <p:cNvPr id="33" name="TextBox 32"/>
+          <p:cNvSpPr txBox="1"/>
+          <p:nvPr/>
+        </p:nvSpPr>
+        <p:spPr>
+          <a:xfrm>
+            <a:off x="3982082" y="4747431"/>
+            <a:ext cx="567784" cy="215444"/>
+          </a:xfrm>
+          <a:prstGeom prst="rect">
+            <a:avLst/>
+          </a:prstGeom>
+          <a:noFill/>
+        </p:spPr>
+        <p:txBody>
+          <a:bodyPr wrap="none" rtlCol="0">
+            <a:spAutoFit/>
+          </a:bodyPr>
+          <a:lstStyle/>
+          <a:p>
+            <a:r>
+              <a:rPr lang="en-US" altLang="ko-KR" sz="800" dirty="0" smtClean="0"/>
+              <a:t>Compile</a:t>
+            </a:r>
+            <a:endParaRPr lang="ko-KR" altLang="en-US" sz="800" dirty="0"/>
+          </a:p>
+        </p:txBody>
+      </p:sp>
+      <p:sp>
+        <p:nvSpPr>
+          <p:cNvPr id="34" name="TextBox 33"/>
+          <p:cNvSpPr txBox="1"/>
+          <p:nvPr/>
+        </p:nvSpPr>
+        <p:spPr>
+          <a:xfrm>
+            <a:off x="380010" y="302821"/>
+            <a:ext cx="10278094" cy="369332"/>
+          </a:xfrm>
+          <a:prstGeom prst="rect">
+            <a:avLst/>
+          </a:prstGeom>
+          <a:noFill/>
+        </p:spPr>
+        <p:txBody>
+          <a:bodyPr wrap="square" rtlCol="0">
+            <a:spAutoFit/>
+          </a:bodyPr>
+          <a:lstStyle/>
+          <a:p>
+            <a:r>
+              <a:rPr lang="ko-KR" altLang="en-US" dirty="0" smtClean="0"/>
+              <a:t>참고</a:t>
+            </a:r>
+            <a:r>
+              <a:rPr lang="en-US" altLang="ko-KR" dirty="0" smtClean="0"/>
+              <a:t>.   </a:t>
+            </a:r>
+            <a:r>
+              <a:rPr lang="en-US" altLang="ko-KR" dirty="0" err="1" smtClean="0"/>
+              <a:t>gRPCSample</a:t>
+            </a:r>
+            <a:r>
+              <a:rPr lang="en-US" altLang="ko-KR" dirty="0" smtClean="0"/>
+              <a:t> program</a:t>
+            </a:r>
+            <a:endParaRPr lang="ko-KR" altLang="en-US" dirty="0"/>
+          </a:p>
+        </p:txBody>
+      </p:sp>
+    </p:spTree>
+    <p:extLst>
+      <p:ext uri="{BB962C8B-B14F-4D97-AF65-F5344CB8AC3E}">
+        <p14:creationId xmlns:p14="http://schemas.microsoft.com/office/powerpoint/2010/main" val="629974525"/>
+      </p:ext>
+    </p:extLst>
+  </p:cSld>
+  <p:clrMapOvr>
+    <a:masterClrMapping/>
+  </p:clrMapOvr>
+  <p:timing>
+    <p:tnLst>
+      <p:par>
+        <p:cTn id="1" dur="indefinite" restart="never" nodeType="tmRoot"/>
+      </p:par>
+    </p:tnLst>
+  </p:timing>
+</p:sld>
+</file>
+
 <file path=ppt/slides/slide2.xml><?xml version="1.0" encoding="utf-8"?>
 <p:sld xmlns:a="http://schemas.openxmlformats.org/drawingml/2006/main" xmlns:r="http://schemas.openxmlformats.org/officeDocument/2006/relationships" xmlns:p="http://schemas.openxmlformats.org/presentationml/2006/main">
   <p:cSld>
